--- a/programma/lesprogramma/files/uitleg template.pptx
+++ b/programma/lesprogramma/files/uitleg template.pptx
@@ -199,7 +199,7 @@
           <a:p>
             <a:fld id="{A91B9A6C-CA96-4DC6-8A66-DE230AC1522E}" type="datetimeFigureOut">
               <a:rPr lang="nl-NL" smtClean="0"/>
-              <a:t>19-5-2025</a:t>
+              <a:t>20-5-2025</a:t>
             </a:fld>
             <a:endParaRPr lang="nl-NL"/>
           </a:p>
@@ -700,7 +700,7 @@
           <a:p>
             <a:fld id="{25859054-D73C-4B2F-A49C-C5DFE7FDD46E}" type="datetimeFigureOut">
               <a:rPr lang="nl-NL" smtClean="0"/>
-              <a:t>19-5-2025</a:t>
+              <a:t>20-5-2025</a:t>
             </a:fld>
             <a:endParaRPr lang="nl-NL"/>
           </a:p>
@@ -900,7 +900,7 @@
           <a:p>
             <a:fld id="{25859054-D73C-4B2F-A49C-C5DFE7FDD46E}" type="datetimeFigureOut">
               <a:rPr lang="nl-NL" smtClean="0"/>
-              <a:t>19-5-2025</a:t>
+              <a:t>20-5-2025</a:t>
             </a:fld>
             <a:endParaRPr lang="nl-NL"/>
           </a:p>
@@ -1110,7 +1110,7 @@
           <a:p>
             <a:fld id="{25859054-D73C-4B2F-A49C-C5DFE7FDD46E}" type="datetimeFigureOut">
               <a:rPr lang="nl-NL" smtClean="0"/>
-              <a:t>19-5-2025</a:t>
+              <a:t>20-5-2025</a:t>
             </a:fld>
             <a:endParaRPr lang="nl-NL"/>
           </a:p>
@@ -1310,7 +1310,7 @@
           <a:p>
             <a:fld id="{25859054-D73C-4B2F-A49C-C5DFE7FDD46E}" type="datetimeFigureOut">
               <a:rPr lang="nl-NL" smtClean="0"/>
-              <a:t>19-5-2025</a:t>
+              <a:t>20-5-2025</a:t>
             </a:fld>
             <a:endParaRPr lang="nl-NL"/>
           </a:p>
@@ -1586,7 +1586,7 @@
           <a:p>
             <a:fld id="{25859054-D73C-4B2F-A49C-C5DFE7FDD46E}" type="datetimeFigureOut">
               <a:rPr lang="nl-NL" smtClean="0"/>
-              <a:t>19-5-2025</a:t>
+              <a:t>20-5-2025</a:t>
             </a:fld>
             <a:endParaRPr lang="nl-NL"/>
           </a:p>
@@ -1854,7 +1854,7 @@
           <a:p>
             <a:fld id="{25859054-D73C-4B2F-A49C-C5DFE7FDD46E}" type="datetimeFigureOut">
               <a:rPr lang="nl-NL" smtClean="0"/>
-              <a:t>19-5-2025</a:t>
+              <a:t>20-5-2025</a:t>
             </a:fld>
             <a:endParaRPr lang="nl-NL"/>
           </a:p>
@@ -2269,7 +2269,7 @@
           <a:p>
             <a:fld id="{25859054-D73C-4B2F-A49C-C5DFE7FDD46E}" type="datetimeFigureOut">
               <a:rPr lang="nl-NL" smtClean="0"/>
-              <a:t>19-5-2025</a:t>
+              <a:t>20-5-2025</a:t>
             </a:fld>
             <a:endParaRPr lang="nl-NL"/>
           </a:p>
@@ -2411,7 +2411,7 @@
           <a:p>
             <a:fld id="{25859054-D73C-4B2F-A49C-C5DFE7FDD46E}" type="datetimeFigureOut">
               <a:rPr lang="nl-NL" smtClean="0"/>
-              <a:t>19-5-2025</a:t>
+              <a:t>20-5-2025</a:t>
             </a:fld>
             <a:endParaRPr lang="nl-NL"/>
           </a:p>
@@ -2524,7 +2524,7 @@
           <a:p>
             <a:fld id="{25859054-D73C-4B2F-A49C-C5DFE7FDD46E}" type="datetimeFigureOut">
               <a:rPr lang="nl-NL" smtClean="0"/>
-              <a:t>19-5-2025</a:t>
+              <a:t>20-5-2025</a:t>
             </a:fld>
             <a:endParaRPr lang="nl-NL"/>
           </a:p>
@@ -2837,7 +2837,7 @@
           <a:p>
             <a:fld id="{25859054-D73C-4B2F-A49C-C5DFE7FDD46E}" type="datetimeFigureOut">
               <a:rPr lang="nl-NL" smtClean="0"/>
-              <a:t>19-5-2025</a:t>
+              <a:t>20-5-2025</a:t>
             </a:fld>
             <a:endParaRPr lang="nl-NL"/>
           </a:p>
@@ -3126,7 +3126,7 @@
           <a:p>
             <a:fld id="{25859054-D73C-4B2F-A49C-C5DFE7FDD46E}" type="datetimeFigureOut">
               <a:rPr lang="nl-NL" smtClean="0"/>
-              <a:t>19-5-2025</a:t>
+              <a:t>20-5-2025</a:t>
             </a:fld>
             <a:endParaRPr lang="nl-NL"/>
           </a:p>
@@ -3369,7 +3369,7 @@
           <a:p>
             <a:fld id="{25859054-D73C-4B2F-A49C-C5DFE7FDD46E}" type="datetimeFigureOut">
               <a:rPr lang="nl-NL" smtClean="0"/>
-              <a:t>19-5-2025</a:t>
+              <a:t>20-5-2025</a:t>
             </a:fld>
             <a:endParaRPr lang="nl-NL"/>
           </a:p>
@@ -3788,10 +3788,10 @@
       </p:grpSpPr>
       <p:pic>
         <p:nvPicPr>
-          <p:cNvPr id="16" name="Picture 15">
-            <a:extLst>
-              <a:ext uri="{FF2B5EF4-FFF2-40B4-BE49-F238E27FC236}">
-                <a16:creationId xmlns:a16="http://schemas.microsoft.com/office/drawing/2014/main" id="{9454228C-A088-5D51-748E-C86B39A4FC43}"/>
+          <p:cNvPr id="4" name="Picture 3">
+            <a:extLst>
+              <a:ext uri="{FF2B5EF4-FFF2-40B4-BE49-F238E27FC236}">
+                <a16:creationId xmlns:a16="http://schemas.microsoft.com/office/drawing/2014/main" id="{4C4ABCCC-7E74-7345-32A4-AF4C9FB45226}"/>
               </a:ext>
             </a:extLst>
           </p:cNvPr>
@@ -3808,8 +3808,8 @@
         </p:blipFill>
         <p:spPr>
           <a:xfrm>
-            <a:off x="662101" y="405245"/>
-            <a:ext cx="5344271" cy="13641704"/>
+            <a:off x="323044" y="519546"/>
+            <a:ext cx="5772956" cy="14060862"/>
           </a:xfrm>
           <a:prstGeom prst="rect">
             <a:avLst/>
@@ -4316,10 +4316,10 @@
       </p:grpSpPr>
       <p:pic>
         <p:nvPicPr>
-          <p:cNvPr id="16" name="Picture 15">
-            <a:extLst>
-              <a:ext uri="{FF2B5EF4-FFF2-40B4-BE49-F238E27FC236}">
-                <a16:creationId xmlns:a16="http://schemas.microsoft.com/office/drawing/2014/main" id="{9012526D-04EE-1ADB-1FD0-7607A1215A18}"/>
+          <p:cNvPr id="6" name="Picture 5">
+            <a:extLst>
+              <a:ext uri="{FF2B5EF4-FFF2-40B4-BE49-F238E27FC236}">
+                <a16:creationId xmlns:a16="http://schemas.microsoft.com/office/drawing/2014/main" id="{EC4360B5-37B3-A2BA-B746-B5020C1440E5}"/>
               </a:ext>
             </a:extLst>
           </p:cNvPr>
@@ -4336,8 +4336,8 @@
         </p:blipFill>
         <p:spPr>
           <a:xfrm>
-            <a:off x="662101" y="-5004955"/>
-            <a:ext cx="5344271" cy="13641704"/>
+            <a:off x="323044" y="-5052353"/>
+            <a:ext cx="5772956" cy="14060862"/>
           </a:xfrm>
           <a:prstGeom prst="rect">
             <a:avLst/>
@@ -5053,10 +5053,10 @@
       </p:grpSpPr>
       <p:pic>
         <p:nvPicPr>
-          <p:cNvPr id="16" name="Picture 15">
-            <a:extLst>
-              <a:ext uri="{FF2B5EF4-FFF2-40B4-BE49-F238E27FC236}">
-                <a16:creationId xmlns:a16="http://schemas.microsoft.com/office/drawing/2014/main" id="{A89A5801-A6BA-F9EA-C7C5-65A582465D11}"/>
+          <p:cNvPr id="8" name="Picture 7">
+            <a:extLst>
+              <a:ext uri="{FF2B5EF4-FFF2-40B4-BE49-F238E27FC236}">
+                <a16:creationId xmlns:a16="http://schemas.microsoft.com/office/drawing/2014/main" id="{30AAE034-1168-2A14-2A79-9C7501599ECA}"/>
               </a:ext>
             </a:extLst>
           </p:cNvPr>
@@ -5073,8 +5073,8 @@
         </p:blipFill>
         <p:spPr>
           <a:xfrm>
-            <a:off x="662101" y="-7138555"/>
-            <a:ext cx="5344271" cy="13641704"/>
+            <a:off x="323044" y="-7316795"/>
+            <a:ext cx="5772956" cy="14060862"/>
           </a:xfrm>
           <a:prstGeom prst="rect">
             <a:avLst/>
@@ -5584,7 +5584,7 @@
         </p:nvSpPr>
         <p:spPr>
           <a:xfrm>
-            <a:off x="5269444" y="3118118"/>
+            <a:off x="5269444" y="3531069"/>
             <a:ext cx="4016854" cy="970025"/>
           </a:xfrm>
           <a:prstGeom prst="wedgeRoundRectCallout">
@@ -5680,7 +5680,7 @@
         </p:nvSpPr>
         <p:spPr>
           <a:xfrm>
-            <a:off x="5665837" y="4529047"/>
+            <a:off x="5665837" y="5099316"/>
             <a:ext cx="5052320" cy="970025"/>
           </a:xfrm>
           <a:prstGeom prst="wedgeRoundRectCallout">
